--- a/CS4920Lab3_v2.pptx
+++ b/CS4920Lab3_v2.pptx
@@ -356,7 +356,7 @@
           <a:p>
             <a:fld id="{ED291B17-9318-49DB-B28B-6E5994AE9581}" type="datetime1">
               <a:rPr lang="en-US" smtClean="0"/>
-              <a:t>12/9/2019</a:t>
+              <a:t>12/9/19</a:t>
             </a:fld>
             <a:endParaRPr lang="en-US" dirty="0"/>
           </a:p>
@@ -559,7 +559,7 @@
           <a:p>
             <a:fld id="{2CED4963-E985-44C4-B8C4-FDD613B7C2F8}" type="datetime1">
               <a:rPr lang="en-US" smtClean="0"/>
-              <a:t>12/9/2019</a:t>
+              <a:t>12/9/19</a:t>
             </a:fld>
             <a:endParaRPr lang="en-US" dirty="0"/>
           </a:p>
@@ -921,7 +921,7 @@
           <a:p>
             <a:fld id="{ED291B17-9318-49DB-B28B-6E5994AE9581}" type="datetime1">
               <a:rPr lang="en-US" smtClean="0"/>
-              <a:t>12/9/2019</a:t>
+              <a:t>12/9/19</a:t>
             </a:fld>
             <a:endParaRPr lang="en-US" dirty="0"/>
           </a:p>
@@ -1119,7 +1119,7 @@
           <a:p>
             <a:fld id="{78DD82B9-B8EE-4375-B6FF-88FA6ABB15D9}" type="datetime1">
               <a:rPr lang="en-US" smtClean="0"/>
-              <a:t>12/9/2019</a:t>
+              <a:t>12/9/19</a:t>
             </a:fld>
             <a:endParaRPr lang="en-US" dirty="0"/>
           </a:p>
@@ -1431,7 +1431,7 @@
           <a:p>
             <a:fld id="{B2497495-0637-405E-AE64-5CC7506D51F5}" type="datetime1">
               <a:rPr lang="en-US" smtClean="0"/>
-              <a:t>12/9/2019</a:t>
+              <a:t>12/9/19</a:t>
             </a:fld>
             <a:endParaRPr lang="en-US" dirty="0"/>
           </a:p>
@@ -1684,7 +1684,7 @@
           <a:p>
             <a:fld id="{7BFFD690-9426-415D-8B65-26881E07B2D4}" type="datetime1">
               <a:rPr lang="en-US" smtClean="0"/>
-              <a:t>12/9/2019</a:t>
+              <a:t>12/9/19</a:t>
             </a:fld>
             <a:endParaRPr lang="en-US" dirty="0"/>
           </a:p>
@@ -2106,7 +2106,7 @@
           <a:p>
             <a:fld id="{04C4989A-474C-40DE-95B9-011C28B71673}" type="datetime1">
               <a:rPr lang="en-US" smtClean="0"/>
-              <a:t>12/9/2019</a:t>
+              <a:t>12/9/19</a:t>
             </a:fld>
             <a:endParaRPr lang="en-US" dirty="0"/>
           </a:p>
@@ -2229,7 +2229,7 @@
           <a:p>
             <a:fld id="{5DB4ED54-5B5E-4A04-93D3-5772E3CE3818}" type="datetime1">
               <a:rPr lang="en-US" smtClean="0"/>
-              <a:t>12/9/2019</a:t>
+              <a:t>12/9/19</a:t>
             </a:fld>
             <a:endParaRPr lang="en-US" dirty="0"/>
           </a:p>
@@ -2324,7 +2324,7 @@
           <a:p>
             <a:fld id="{4EDE50D6-574B-40AF-946F-D52A04ADE379}" type="datetime1">
               <a:rPr lang="en-US" smtClean="0"/>
-              <a:t>12/9/2019</a:t>
+              <a:t>12/9/19</a:t>
             </a:fld>
             <a:endParaRPr lang="en-US" dirty="0"/>
           </a:p>
@@ -2701,7 +2701,7 @@
           <a:p>
             <a:fld id="{D82884F1-FFEA-405F-9602-3DCA865EDA4E}" type="datetime1">
               <a:rPr lang="en-US" smtClean="0"/>
-              <a:t>12/9/2019</a:t>
+              <a:t>12/9/19</a:t>
             </a:fld>
             <a:endParaRPr lang="en-US" dirty="0"/>
           </a:p>
@@ -2994,7 +2994,7 @@
           <a:p>
             <a:fld id="{7E18DB4A-8810-4A10-AD5C-D5E2C667F5B3}" type="datetime1">
               <a:rPr lang="en-US" smtClean="0"/>
-              <a:t>12/9/2019</a:t>
+              <a:t>12/9/19</a:t>
             </a:fld>
             <a:endParaRPr lang="en-US" dirty="0"/>
           </a:p>
@@ -3209,7 +3209,7 @@
           <a:p>
             <a:fld id="{ED291B17-9318-49DB-B28B-6E5994AE9581}" type="datetime1">
               <a:rPr lang="en-US" smtClean="0"/>
-              <a:t>12/9/2019</a:t>
+              <a:t>12/9/19</a:t>
             </a:fld>
             <a:endParaRPr lang="en-US" dirty="0"/>
           </a:p>
@@ -4681,7 +4681,12 @@
             <p:ph idx="1"/>
           </p:nvPr>
         </p:nvSpPr>
-        <p:spPr/>
+        <p:spPr>
+          <a:xfrm>
+            <a:off x="581192" y="1818347"/>
+            <a:ext cx="11029615" cy="3634486"/>
+          </a:xfrm>
+        </p:spPr>
         <p:txBody>
           <a:bodyPr/>
           <a:lstStyle/>
@@ -4708,13 +4713,7 @@
           <a:p>
             <a:r>
               <a:rPr lang="en-US" dirty="0"/>
-              <a:t>Labels are the different AS types (network service provider, content, non-profit, …)</a:t>
-            </a:r>
-          </a:p>
-          <a:p>
-            <a:r>
-              <a:rPr lang="en-US" dirty="0"/>
-              <a:t>We will be focusing on the above 3 labels for this lab, although there are more. </a:t>
+              <a:t>Labels are the different AS types (network service provider, content, non-profit)</a:t>
             </a:r>
           </a:p>
           <a:p>
@@ -4753,10 +4752,51 @@
           </a:p>
         </p:txBody>
       </p:sp>
+      <p:pic>
+        <p:nvPicPr>
+          <p:cNvPr id="5" name="Picture 4">
+            <a:extLst>
+              <a:ext uri="{FF2B5EF4-FFF2-40B4-BE49-F238E27FC236}">
+                <a16:creationId xmlns:a16="http://schemas.microsoft.com/office/drawing/2014/main" id="{EA997EA9-1581-7649-A4DF-03E65DF4D088}"/>
+              </a:ext>
+            </a:extLst>
+          </p:cNvPr>
+          <p:cNvPicPr>
+            <a:picLocks noChangeAspect="1"/>
+          </p:cNvPicPr>
+          <p:nvPr/>
+        </p:nvPicPr>
+        <p:blipFill>
+          <a:blip r:embed="rId2">
+            <a:extLst>
+              <a:ext uri="{28A0092B-C50C-407E-A947-70E740481C1C}">
+                <a14:useLocalDpi xmlns:a14="http://schemas.microsoft.com/office/drawing/2010/main" val="0"/>
+              </a:ext>
+            </a:extLst>
+          </a:blip>
+          <a:stretch>
+            <a:fillRect/>
+          </a:stretch>
+        </p:blipFill>
+        <p:spPr>
+          <a:xfrm>
+            <a:off x="2913017" y="4290228"/>
+            <a:ext cx="8595360" cy="1710256"/>
+          </a:xfrm>
+          <a:prstGeom prst="rect">
+            <a:avLst/>
+          </a:prstGeom>
+          <a:ln>
+            <a:solidFill>
+              <a:schemeClr val="tx1"/>
+            </a:solidFill>
+          </a:ln>
+        </p:spPr>
+      </p:pic>
     </p:spTree>
     <p:extLst>
       <p:ext uri="{BB962C8B-B14F-4D97-AF65-F5344CB8AC3E}">
-        <p14:creationId xmlns:p14="http://schemas.microsoft.com/office/powerpoint/2010/main" val="401789370"/>
+        <p14:creationId xmlns:p14="http://schemas.microsoft.com/office/powerpoint/2010/main" val="2460972505"/>
       </p:ext>
     </p:extLst>
   </p:cSld>

--- a/CS4920Lab3_v2.pptx
+++ b/CS4920Lab3_v2.pptx
@@ -356,7 +356,7 @@
           <a:p>
             <a:fld id="{ED291B17-9318-49DB-B28B-6E5994AE9581}" type="datetime1">
               <a:rPr lang="en-US" smtClean="0"/>
-              <a:t>12/9/19</a:t>
+              <a:t>12/11/19</a:t>
             </a:fld>
             <a:endParaRPr lang="en-US" dirty="0"/>
           </a:p>
@@ -559,7 +559,7 @@
           <a:p>
             <a:fld id="{2CED4963-E985-44C4-B8C4-FDD613B7C2F8}" type="datetime1">
               <a:rPr lang="en-US" smtClean="0"/>
-              <a:t>12/9/19</a:t>
+              <a:t>12/11/19</a:t>
             </a:fld>
             <a:endParaRPr lang="en-US" dirty="0"/>
           </a:p>
@@ -921,7 +921,7 @@
           <a:p>
             <a:fld id="{ED291B17-9318-49DB-B28B-6E5994AE9581}" type="datetime1">
               <a:rPr lang="en-US" smtClean="0"/>
-              <a:t>12/9/19</a:t>
+              <a:t>12/11/19</a:t>
             </a:fld>
             <a:endParaRPr lang="en-US" dirty="0"/>
           </a:p>
@@ -1119,7 +1119,7 @@
           <a:p>
             <a:fld id="{78DD82B9-B8EE-4375-B6FF-88FA6ABB15D9}" type="datetime1">
               <a:rPr lang="en-US" smtClean="0"/>
-              <a:t>12/9/19</a:t>
+              <a:t>12/11/19</a:t>
             </a:fld>
             <a:endParaRPr lang="en-US" dirty="0"/>
           </a:p>
@@ -1431,7 +1431,7 @@
           <a:p>
             <a:fld id="{B2497495-0637-405E-AE64-5CC7506D51F5}" type="datetime1">
               <a:rPr lang="en-US" smtClean="0"/>
-              <a:t>12/9/19</a:t>
+              <a:t>12/11/19</a:t>
             </a:fld>
             <a:endParaRPr lang="en-US" dirty="0"/>
           </a:p>
@@ -1684,7 +1684,7 @@
           <a:p>
             <a:fld id="{7BFFD690-9426-415D-8B65-26881E07B2D4}" type="datetime1">
               <a:rPr lang="en-US" smtClean="0"/>
-              <a:t>12/9/19</a:t>
+              <a:t>12/11/19</a:t>
             </a:fld>
             <a:endParaRPr lang="en-US" dirty="0"/>
           </a:p>
@@ -2106,7 +2106,7 @@
           <a:p>
             <a:fld id="{04C4989A-474C-40DE-95B9-011C28B71673}" type="datetime1">
               <a:rPr lang="en-US" smtClean="0"/>
-              <a:t>12/9/19</a:t>
+              <a:t>12/11/19</a:t>
             </a:fld>
             <a:endParaRPr lang="en-US" dirty="0"/>
           </a:p>
@@ -2229,7 +2229,7 @@
           <a:p>
             <a:fld id="{5DB4ED54-5B5E-4A04-93D3-5772E3CE3818}" type="datetime1">
               <a:rPr lang="en-US" smtClean="0"/>
-              <a:t>12/9/19</a:t>
+              <a:t>12/11/19</a:t>
             </a:fld>
             <a:endParaRPr lang="en-US" dirty="0"/>
           </a:p>
@@ -2324,7 +2324,7 @@
           <a:p>
             <a:fld id="{4EDE50D6-574B-40AF-946F-D52A04ADE379}" type="datetime1">
               <a:rPr lang="en-US" smtClean="0"/>
-              <a:t>12/9/19</a:t>
+              <a:t>12/11/19</a:t>
             </a:fld>
             <a:endParaRPr lang="en-US" dirty="0"/>
           </a:p>
@@ -2701,7 +2701,7 @@
           <a:p>
             <a:fld id="{D82884F1-FFEA-405F-9602-3DCA865EDA4E}" type="datetime1">
               <a:rPr lang="en-US" smtClean="0"/>
-              <a:t>12/9/19</a:t>
+              <a:t>12/11/19</a:t>
             </a:fld>
             <a:endParaRPr lang="en-US" dirty="0"/>
           </a:p>
@@ -2994,7 +2994,7 @@
           <a:p>
             <a:fld id="{7E18DB4A-8810-4A10-AD5C-D5E2C667F5B3}" type="datetime1">
               <a:rPr lang="en-US" smtClean="0"/>
-              <a:t>12/9/19</a:t>
+              <a:t>12/11/19</a:t>
             </a:fld>
             <a:endParaRPr lang="en-US" dirty="0"/>
           </a:p>
@@ -3209,7 +3209,7 @@
           <a:p>
             <a:fld id="{ED291B17-9318-49DB-B28B-6E5994AE9581}" type="datetime1">
               <a:rPr lang="en-US" smtClean="0"/>
-              <a:t>12/9/19</a:t>
+              <a:t>12/11/19</a:t>
             </a:fld>
             <a:endParaRPr lang="en-US" dirty="0"/>
           </a:p>
@@ -4405,15 +4405,19 @@
           <a:lstStyle/>
           <a:p>
             <a:r>
-              <a:rPr lang="en-US" dirty="0"/>
-              <a:t>Helpful for intra-AS (router-level) topology modeling</a:t>
+              <a:rPr lang="en-US"/>
+              <a:t>Helpful for intra-AS and inter-AS router-level topology modeling</a:t>
             </a:r>
           </a:p>
           <a:p>
             <a:pPr lvl="1"/>
             <a:r>
-              <a:rPr lang="en-US" dirty="0"/>
-              <a:t>E.g. small company AS versus university AS</a:t>
+              <a:rPr lang="en-US"/>
+              <a:t>E</a:t>
+            </a:r>
+            <a:r>
+              <a:rPr lang="en-US" dirty="0"/>
+              <a:t>.g. small company AS versus university AS</a:t>
             </a:r>
           </a:p>
           <a:p>

--- a/CS4920Lab3_v2.pptx
+++ b/CS4920Lab3_v2.pptx
@@ -4405,19 +4405,15 @@
           <a:lstStyle/>
           <a:p>
             <a:r>
-              <a:rPr lang="en-US"/>
+              <a:rPr lang="en-US" dirty="0"/>
               <a:t>Helpful for intra-AS and inter-AS router-level topology modeling</a:t>
             </a:r>
           </a:p>
           <a:p>
             <a:pPr lvl="1"/>
             <a:r>
-              <a:rPr lang="en-US"/>
-              <a:t>E</a:t>
-            </a:r>
-            <a:r>
-              <a:rPr lang="en-US" dirty="0"/>
-              <a:t>.g. small company AS versus university AS</a:t>
+              <a:rPr lang="en-US" dirty="0"/>
+              <a:t>E.g. small company AS versus university AS</a:t>
             </a:r>
           </a:p>
           <a:p>
@@ -4476,6 +4472,20 @@
               <a:rPr lang="en-US" dirty="0"/>
               <a:t> et al.</a:t>
             </a:r>
+          </a:p>
+          <a:p>
+            <a:pPr marL="0" indent="0">
+              <a:buNone/>
+            </a:pPr>
+            <a:r>
+              <a:rPr lang="en-US" dirty="0"/>
+              <a:t>Ref: “Inferring AS-level Internet Topology from </a:t>
+            </a:r>
+            <a:r>
+              <a:rPr lang="en-US"/>
+              <a:t>Router-level Path Traces”, Chang et al.</a:t>
+            </a:r>
+            <a:endParaRPr lang="en-US" dirty="0"/>
           </a:p>
         </p:txBody>
       </p:sp>

--- a/CS4920Lab3_v2.pptx
+++ b/CS4920Lab3_v2.pptx
@@ -4479,13 +4479,8 @@
             </a:pPr>
             <a:r>
               <a:rPr lang="en-US" dirty="0"/>
-              <a:t>Ref: “Inferring AS-level Internet Topology from </a:t>
-            </a:r>
-            <a:r>
-              <a:rPr lang="en-US"/>
-              <a:t>Router-level Path Traces”, Chang et al.</a:t>
-            </a:r>
-            <a:endParaRPr lang="en-US" dirty="0"/>
+              <a:t>Ref: “Inferring AS-level Internet Topology from Router-level Path Traces”, Chang et al.</a:t>
+            </a:r>
           </a:p>
         </p:txBody>
       </p:sp>
@@ -5176,8 +5171,13 @@
           <a:p>
             <a:r>
               <a:rPr lang="en-US" dirty="0"/>
-              <a:t>Small database, might hold some bias</a:t>
-            </a:r>
+              <a:t>Small database, relatively </a:t>
+            </a:r>
+            <a:r>
+              <a:rPr lang="en-US"/>
+              <a:t>few examples</a:t>
+            </a:r>
+            <a:endParaRPr lang="en-US" dirty="0"/>
           </a:p>
           <a:p>
             <a:r>
